--- a/Week-1-Presentation.pptx
+++ b/Week-1-Presentation.pptx
@@ -7,6 +7,15 @@
   <p:sldIdLst>
     <p:sldId id="256" r:id="rId2"/>
     <p:sldId id="257" r:id="rId3"/>
+    <p:sldId id="258" r:id="rId4"/>
+    <p:sldId id="259" r:id="rId5"/>
+    <p:sldId id="260" r:id="rId6"/>
+    <p:sldId id="261" r:id="rId7"/>
+    <p:sldId id="262" r:id="rId8"/>
+    <p:sldId id="263" r:id="rId9"/>
+    <p:sldId id="264" r:id="rId10"/>
+    <p:sldId id="265" r:id="rId11"/>
+    <p:sldId id="266" r:id="rId12"/>
   </p:sldIdLst>
   <p:sldSz cx="12192000" cy="6858000"/>
   <p:notesSz cx="6858000" cy="9144000"/>
@@ -3028,6 +3037,227 @@
   <p:clrMapOvr>
     <a:masterClrMapping/>
   </p:clrMapOvr>
+  <p:timing>
+    <p:tnLst>
+      <p:par>
+        <p:cTn id="1" dur="indefinite" restart="never" nodeType="tmRoot"/>
+      </p:par>
+    </p:tnLst>
+  </p:timing>
+</p:sld>
+</file>
+
+<file path=ppt/slides/slide10.xml><?xml version="1.0" encoding="utf-8"?>
+<p:sld xmlns:a="http://schemas.openxmlformats.org/drawingml/2006/main" xmlns:r="http://schemas.openxmlformats.org/officeDocument/2006/relationships" xmlns:p="http://schemas.openxmlformats.org/presentationml/2006/main">
+  <p:cSld>
+    <p:spTree>
+      <p:nvGrpSpPr>
+        <p:cNvPr id="1" name=""/>
+        <p:cNvGrpSpPr/>
+        <p:nvPr/>
+      </p:nvGrpSpPr>
+      <p:grpSpPr>
+        <a:xfrm>
+          <a:off x="0" y="0"/>
+          <a:ext cx="0" cy="0"/>
+          <a:chOff x="0" y="0"/>
+          <a:chExt cx="0" cy="0"/>
+        </a:xfrm>
+      </p:grpSpPr>
+      <p:sp>
+        <p:nvSpPr>
+          <p:cNvPr id="2" name="Title 1"/>
+          <p:cNvSpPr>
+            <a:spLocks noGrp="1"/>
+          </p:cNvSpPr>
+          <p:nvPr>
+            <p:ph type="title"/>
+          </p:nvPr>
+        </p:nvSpPr>
+        <p:spPr/>
+        <p:txBody>
+          <a:bodyPr/>
+          <a:lstStyle/>
+          <a:p>
+            <a:endParaRPr lang="en-US"/>
+          </a:p>
+        </p:txBody>
+      </p:sp>
+      <p:sp>
+        <p:nvSpPr>
+          <p:cNvPr id="3" name="Content Placeholder 2"/>
+          <p:cNvSpPr>
+            <a:spLocks noGrp="1"/>
+          </p:cNvSpPr>
+          <p:nvPr>
+            <p:ph idx="1"/>
+          </p:nvPr>
+        </p:nvSpPr>
+        <p:spPr/>
+        <p:txBody>
+          <a:bodyPr>
+            <a:normAutofit lnSpcReduction="10000"/>
+          </a:bodyPr>
+          <a:lstStyle/>
+          <a:p>
+            <a:pPr marL="0" indent="0" algn="ctr">
+              <a:buNone/>
+            </a:pPr>
+            <a:r>
+              <a:rPr lang="en-US" sz="7200" dirty="0" smtClean="0"/>
+              <a:t>I taught myself</a:t>
+            </a:r>
+          </a:p>
+          <a:p>
+            <a:r>
+              <a:rPr lang="en-US" sz="7200" dirty="0"/>
+              <a:t> </a:t>
+            </a:r>
+            <a:r>
+              <a:rPr lang="en-US" sz="7200" dirty="0" smtClean="0"/>
+              <a:t>C++</a:t>
+            </a:r>
+          </a:p>
+          <a:p>
+            <a:r>
+              <a:rPr lang="en-US" sz="7200"/>
+              <a:t> </a:t>
+            </a:r>
+            <a:r>
+              <a:rPr lang="en-US" sz="7200" smtClean="0"/>
+              <a:t>Java </a:t>
+            </a:r>
+          </a:p>
+          <a:p>
+            <a:r>
+              <a:rPr lang="en-US" sz="7200"/>
+              <a:t> </a:t>
+            </a:r>
+            <a:r>
+              <a:rPr lang="en-US" sz="7200" smtClean="0"/>
+              <a:t>GUI</a:t>
+            </a:r>
+          </a:p>
+        </p:txBody>
+      </p:sp>
+    </p:spTree>
+    <p:extLst>
+      <p:ext uri="{BB962C8B-B14F-4D97-AF65-F5344CB8AC3E}">
+        <p14:creationId xmlns:p14="http://schemas.microsoft.com/office/powerpoint/2010/main" val="1793000903"/>
+      </p:ext>
+    </p:extLst>
+  </p:cSld>
+  <p:clrMapOvr>
+    <a:masterClrMapping/>
+  </p:clrMapOvr>
+  <p:timing>
+    <p:tnLst>
+      <p:par>
+        <p:cTn id="1" dur="indefinite" restart="never" nodeType="tmRoot"/>
+      </p:par>
+    </p:tnLst>
+  </p:timing>
+</p:sld>
+</file>
+
+<file path=ppt/slides/slide11.xml><?xml version="1.0" encoding="utf-8"?>
+<p:sld xmlns:a="http://schemas.openxmlformats.org/drawingml/2006/main" xmlns:r="http://schemas.openxmlformats.org/officeDocument/2006/relationships" xmlns:p="http://schemas.openxmlformats.org/presentationml/2006/main">
+  <p:cSld>
+    <p:spTree>
+      <p:nvGrpSpPr>
+        <p:cNvPr id="1" name=""/>
+        <p:cNvGrpSpPr/>
+        <p:nvPr/>
+      </p:nvGrpSpPr>
+      <p:grpSpPr>
+        <a:xfrm>
+          <a:off x="0" y="0"/>
+          <a:ext cx="0" cy="0"/>
+          <a:chOff x="0" y="0"/>
+          <a:chExt cx="0" cy="0"/>
+        </a:xfrm>
+      </p:grpSpPr>
+      <p:sp>
+        <p:nvSpPr>
+          <p:cNvPr id="2" name="Title 1"/>
+          <p:cNvSpPr>
+            <a:spLocks noGrp="1"/>
+          </p:cNvSpPr>
+          <p:nvPr>
+            <p:ph type="title"/>
+          </p:nvPr>
+        </p:nvSpPr>
+        <p:spPr/>
+        <p:txBody>
+          <a:bodyPr/>
+          <a:lstStyle/>
+          <a:p>
+            <a:endParaRPr lang="en-US"/>
+          </a:p>
+        </p:txBody>
+      </p:sp>
+      <p:sp>
+        <p:nvSpPr>
+          <p:cNvPr id="3" name="Content Placeholder 2"/>
+          <p:cNvSpPr>
+            <a:spLocks noGrp="1"/>
+          </p:cNvSpPr>
+          <p:nvPr>
+            <p:ph idx="1"/>
+          </p:nvPr>
+        </p:nvSpPr>
+        <p:spPr/>
+        <p:txBody>
+          <a:bodyPr>
+            <a:normAutofit/>
+          </a:bodyPr>
+          <a:lstStyle/>
+          <a:p>
+            <a:r>
+              <a:rPr lang="en-US" sz="7200" smtClean="0"/>
+              <a:t> JavaScript</a:t>
+            </a:r>
+          </a:p>
+          <a:p>
+            <a:r>
+              <a:rPr lang="en-US" sz="7200"/>
+              <a:t> </a:t>
+            </a:r>
+            <a:r>
+              <a:rPr lang="en-US" sz="7200" smtClean="0"/>
+              <a:t>HTML</a:t>
+            </a:r>
+          </a:p>
+          <a:p>
+            <a:r>
+              <a:rPr lang="en-US" sz="7200"/>
+              <a:t> </a:t>
+            </a:r>
+            <a:r>
+              <a:rPr lang="en-US" sz="7200" smtClean="0"/>
+              <a:t>CSS</a:t>
+            </a:r>
+            <a:endParaRPr lang="en-US" sz="7200"/>
+          </a:p>
+        </p:txBody>
+      </p:sp>
+    </p:spTree>
+    <p:extLst>
+      <p:ext uri="{BB962C8B-B14F-4D97-AF65-F5344CB8AC3E}">
+        <p14:creationId xmlns:p14="http://schemas.microsoft.com/office/powerpoint/2010/main" val="505186885"/>
+      </p:ext>
+    </p:extLst>
+  </p:cSld>
+  <p:clrMapOvr>
+    <a:masterClrMapping/>
+  </p:clrMapOvr>
+  <p:timing>
+    <p:tnLst>
+      <p:par>
+        <p:cTn id="1" dur="indefinite" restart="never" nodeType="tmRoot"/>
+      </p:par>
+    </p:tnLst>
+  </p:timing>
 </p:sld>
 </file>
 
@@ -3058,36 +3288,80 @@
             <p:ph type="title"/>
           </p:nvPr>
         </p:nvSpPr>
-        <p:spPr/>
-        <p:txBody>
-          <a:bodyPr/>
-          <a:lstStyle/>
-          <a:p>
-            <a:endParaRPr lang="en-US"/>
-          </a:p>
-        </p:txBody>
-      </p:sp>
-      <p:sp>
-        <p:nvSpPr>
-          <p:cNvPr id="3" name="Content Placeholder 2"/>
-          <p:cNvSpPr>
-            <a:spLocks noGrp="1"/>
-          </p:cNvSpPr>
-          <p:nvPr>
-            <p:ph idx="1"/>
-          </p:nvPr>
-        </p:nvSpPr>
-        <p:spPr/>
+        <p:spPr>
+          <a:xfrm>
+            <a:off x="743197" y="602631"/>
+            <a:ext cx="10515600" cy="489898"/>
+          </a:xfrm>
+        </p:spPr>
         <p:txBody>
           <a:bodyPr>
             <a:normAutofit/>
           </a:bodyPr>
           <a:lstStyle/>
           <a:p>
+            <a:r>
+              <a:rPr lang="en-US" sz="100" dirty="0" smtClean="0"/>
+              <a:t>.</a:t>
+            </a:r>
+            <a:br>
+              <a:rPr lang="en-US" sz="100" dirty="0" smtClean="0"/>
+            </a:br>
+            <a:endParaRPr lang="en-US" sz="100" dirty="0"/>
+          </a:p>
+        </p:txBody>
+      </p:sp>
+      <p:sp>
+        <p:nvSpPr>
+          <p:cNvPr id="3" name="Content Placeholder 2"/>
+          <p:cNvSpPr>
+            <a:spLocks noGrp="1"/>
+          </p:cNvSpPr>
+          <p:nvPr>
+            <p:ph idx="1"/>
+          </p:nvPr>
+        </p:nvSpPr>
+        <p:spPr/>
+        <p:txBody>
+          <a:bodyPr>
+            <a:normAutofit lnSpcReduction="10000"/>
+          </a:bodyPr>
+          <a:lstStyle/>
+          <a:p>
             <a:pPr marL="0" indent="0" algn="ctr">
               <a:buNone/>
             </a:pPr>
-            <a:endParaRPr lang="en-US" sz="7200"/>
+            <a:r>
+              <a:rPr lang="en-US" sz="7200" dirty="0" smtClean="0"/>
+              <a:t>Unlike most of you</a:t>
+            </a:r>
+          </a:p>
+          <a:p>
+            <a:pPr marL="0" indent="0" algn="ctr">
+              <a:buNone/>
+            </a:pPr>
+            <a:r>
+              <a:rPr lang="en-US" sz="7200" dirty="0" smtClean="0"/>
+              <a:t>(I assume)</a:t>
+            </a:r>
+          </a:p>
+          <a:p>
+            <a:pPr marL="0" indent="0" algn="ctr">
+              <a:buNone/>
+            </a:pPr>
+            <a:r>
+              <a:rPr lang="en-US" sz="7200" dirty="0" smtClean="0"/>
+              <a:t>This is the first web page</a:t>
+            </a:r>
+          </a:p>
+          <a:p>
+            <a:pPr marL="0" indent="0" algn="ctr">
+              <a:buNone/>
+            </a:pPr>
+            <a:r>
+              <a:rPr lang="en-US" sz="7200" dirty="0" smtClean="0"/>
+              <a:t>I’ve ever created</a:t>
+            </a:r>
           </a:p>
         </p:txBody>
       </p:sp>
@@ -3101,6 +3375,747 @@
   <p:clrMapOvr>
     <a:masterClrMapping/>
   </p:clrMapOvr>
+  <p:timing>
+    <p:tnLst>
+      <p:par>
+        <p:cTn id="1" dur="indefinite" restart="never" nodeType="tmRoot"/>
+      </p:par>
+    </p:tnLst>
+  </p:timing>
+</p:sld>
+</file>
+
+<file path=ppt/slides/slide3.xml><?xml version="1.0" encoding="utf-8"?>
+<p:sld xmlns:a="http://schemas.openxmlformats.org/drawingml/2006/main" xmlns:r="http://schemas.openxmlformats.org/officeDocument/2006/relationships" xmlns:p="http://schemas.openxmlformats.org/presentationml/2006/main">
+  <p:cSld>
+    <p:spTree>
+      <p:nvGrpSpPr>
+        <p:cNvPr id="1" name=""/>
+        <p:cNvGrpSpPr/>
+        <p:nvPr/>
+      </p:nvGrpSpPr>
+      <p:grpSpPr>
+        <a:xfrm>
+          <a:off x="0" y="0"/>
+          <a:ext cx="0" cy="0"/>
+          <a:chOff x="0" y="0"/>
+          <a:chExt cx="0" cy="0"/>
+        </a:xfrm>
+      </p:grpSpPr>
+      <p:sp>
+        <p:nvSpPr>
+          <p:cNvPr id="2" name="Title 1"/>
+          <p:cNvSpPr>
+            <a:spLocks noGrp="1"/>
+          </p:cNvSpPr>
+          <p:nvPr>
+            <p:ph type="title"/>
+          </p:nvPr>
+        </p:nvSpPr>
+        <p:spPr/>
+        <p:txBody>
+          <a:bodyPr>
+            <a:normAutofit/>
+          </a:bodyPr>
+          <a:lstStyle/>
+          <a:p>
+            <a:r>
+              <a:rPr lang="en-US" sz="100" dirty="0" smtClean="0"/>
+              <a:t>.</a:t>
+            </a:r>
+            <a:endParaRPr lang="en-US" sz="100" dirty="0"/>
+          </a:p>
+        </p:txBody>
+      </p:sp>
+      <p:sp>
+        <p:nvSpPr>
+          <p:cNvPr id="3" name="Content Placeholder 2"/>
+          <p:cNvSpPr>
+            <a:spLocks noGrp="1"/>
+          </p:cNvSpPr>
+          <p:nvPr>
+            <p:ph idx="1"/>
+          </p:nvPr>
+        </p:nvSpPr>
+        <p:spPr/>
+        <p:txBody>
+          <a:bodyPr>
+            <a:normAutofit/>
+          </a:bodyPr>
+          <a:lstStyle/>
+          <a:p>
+            <a:pPr marL="0" indent="0" algn="ctr">
+              <a:buNone/>
+            </a:pPr>
+            <a:r>
+              <a:rPr lang="en-US" sz="7200" dirty="0" smtClean="0"/>
+              <a:t>It is not a complex</a:t>
+            </a:r>
+          </a:p>
+          <a:p>
+            <a:pPr marL="0" indent="0" algn="ctr">
+              <a:buNone/>
+            </a:pPr>
+            <a:r>
+              <a:rPr lang="en-US" sz="7200" dirty="0" smtClean="0"/>
+              <a:t>piece of coding</a:t>
+            </a:r>
+            <a:endParaRPr lang="en-US" sz="7200" dirty="0"/>
+          </a:p>
+          <a:p>
+            <a:pPr marL="0" indent="0" algn="ctr">
+              <a:buNone/>
+            </a:pPr>
+            <a:endParaRPr lang="en-US" sz="7200" dirty="0" smtClean="0"/>
+          </a:p>
+        </p:txBody>
+      </p:sp>
+    </p:spTree>
+    <p:extLst>
+      <p:ext uri="{BB962C8B-B14F-4D97-AF65-F5344CB8AC3E}">
+        <p14:creationId xmlns:p14="http://schemas.microsoft.com/office/powerpoint/2010/main" val="70104513"/>
+      </p:ext>
+    </p:extLst>
+  </p:cSld>
+  <p:clrMapOvr>
+    <a:masterClrMapping/>
+  </p:clrMapOvr>
+  <p:timing>
+    <p:tnLst>
+      <p:par>
+        <p:cTn id="1" dur="indefinite" restart="never" nodeType="tmRoot"/>
+      </p:par>
+    </p:tnLst>
+  </p:timing>
+</p:sld>
+</file>
+
+<file path=ppt/slides/slide4.xml><?xml version="1.0" encoding="utf-8"?>
+<p:sld xmlns:a="http://schemas.openxmlformats.org/drawingml/2006/main" xmlns:r="http://schemas.openxmlformats.org/officeDocument/2006/relationships" xmlns:p="http://schemas.openxmlformats.org/presentationml/2006/main">
+  <p:cSld>
+    <p:spTree>
+      <p:nvGrpSpPr>
+        <p:cNvPr id="1" name=""/>
+        <p:cNvGrpSpPr/>
+        <p:nvPr/>
+      </p:nvGrpSpPr>
+      <p:grpSpPr>
+        <a:xfrm>
+          <a:off x="0" y="0"/>
+          <a:ext cx="0" cy="0"/>
+          <a:chOff x="0" y="0"/>
+          <a:chExt cx="0" cy="0"/>
+        </a:xfrm>
+      </p:grpSpPr>
+      <p:sp>
+        <p:nvSpPr>
+          <p:cNvPr id="2" name="Title 1"/>
+          <p:cNvSpPr>
+            <a:spLocks noGrp="1"/>
+          </p:cNvSpPr>
+          <p:nvPr>
+            <p:ph type="title"/>
+          </p:nvPr>
+        </p:nvSpPr>
+        <p:spPr/>
+        <p:txBody>
+          <a:bodyPr/>
+          <a:lstStyle/>
+          <a:p>
+            <a:endParaRPr lang="en-US"/>
+          </a:p>
+        </p:txBody>
+      </p:sp>
+      <p:pic>
+        <p:nvPicPr>
+          <p:cNvPr id="4" name="Content Placeholder 3"/>
+          <p:cNvPicPr>
+            <a:picLocks noGrp="1" noChangeAspect="1"/>
+          </p:cNvPicPr>
+          <p:nvPr>
+            <p:ph idx="1"/>
+          </p:nvPr>
+        </p:nvPicPr>
+        <p:blipFill>
+          <a:blip r:embed="rId2">
+            <a:extLst>
+              <a:ext uri="{28A0092B-C50C-407E-A947-70E740481C1C}">
+                <a14:useLocalDpi xmlns:a14="http://schemas.microsoft.com/office/drawing/2010/main" val="0"/>
+              </a:ext>
+            </a:extLst>
+          </a:blip>
+          <a:stretch>
+            <a:fillRect/>
+          </a:stretch>
+        </p:blipFill>
+        <p:spPr>
+          <a:xfrm>
+            <a:off x="838199" y="328662"/>
+            <a:ext cx="11001499" cy="6490183"/>
+          </a:xfrm>
+        </p:spPr>
+      </p:pic>
+    </p:spTree>
+    <p:extLst>
+      <p:ext uri="{BB962C8B-B14F-4D97-AF65-F5344CB8AC3E}">
+        <p14:creationId xmlns:p14="http://schemas.microsoft.com/office/powerpoint/2010/main" val="310740204"/>
+      </p:ext>
+    </p:extLst>
+  </p:cSld>
+  <p:clrMapOvr>
+    <a:masterClrMapping/>
+  </p:clrMapOvr>
+  <p:timing>
+    <p:tnLst>
+      <p:par>
+        <p:cTn id="1" dur="indefinite" restart="never" nodeType="tmRoot"/>
+      </p:par>
+    </p:tnLst>
+  </p:timing>
+</p:sld>
+</file>
+
+<file path=ppt/slides/slide5.xml><?xml version="1.0" encoding="utf-8"?>
+<p:sld xmlns:a="http://schemas.openxmlformats.org/drawingml/2006/main" xmlns:r="http://schemas.openxmlformats.org/officeDocument/2006/relationships" xmlns:p="http://schemas.openxmlformats.org/presentationml/2006/main">
+  <p:cSld>
+    <p:spTree>
+      <p:nvGrpSpPr>
+        <p:cNvPr id="1" name=""/>
+        <p:cNvGrpSpPr/>
+        <p:nvPr/>
+      </p:nvGrpSpPr>
+      <p:grpSpPr>
+        <a:xfrm>
+          <a:off x="0" y="0"/>
+          <a:ext cx="0" cy="0"/>
+          <a:chOff x="0" y="0"/>
+          <a:chExt cx="0" cy="0"/>
+        </a:xfrm>
+      </p:grpSpPr>
+      <p:sp>
+        <p:nvSpPr>
+          <p:cNvPr id="2" name="Title 1"/>
+          <p:cNvSpPr>
+            <a:spLocks noGrp="1"/>
+          </p:cNvSpPr>
+          <p:nvPr>
+            <p:ph type="title"/>
+          </p:nvPr>
+        </p:nvSpPr>
+        <p:spPr/>
+        <p:txBody>
+          <a:bodyPr>
+            <a:normAutofit/>
+          </a:bodyPr>
+          <a:lstStyle/>
+          <a:p>
+            <a:r>
+              <a:rPr lang="en-US" sz="100" dirty="0" smtClean="0"/>
+              <a:t>.</a:t>
+            </a:r>
+            <a:endParaRPr lang="en-US" sz="100" dirty="0"/>
+          </a:p>
+        </p:txBody>
+      </p:sp>
+      <p:sp>
+        <p:nvSpPr>
+          <p:cNvPr id="3" name="Content Placeholder 2"/>
+          <p:cNvSpPr>
+            <a:spLocks noGrp="1"/>
+          </p:cNvSpPr>
+          <p:nvPr>
+            <p:ph idx="1"/>
+          </p:nvPr>
+        </p:nvSpPr>
+        <p:spPr>
+          <a:xfrm>
+            <a:off x="838200" y="1021278"/>
+            <a:ext cx="10515600" cy="5155685"/>
+          </a:xfrm>
+        </p:spPr>
+        <p:txBody>
+          <a:bodyPr>
+            <a:normAutofit/>
+          </a:bodyPr>
+          <a:lstStyle/>
+          <a:p>
+            <a:pPr marL="0" indent="0" algn="ctr">
+              <a:buNone/>
+            </a:pPr>
+            <a:r>
+              <a:rPr lang="en-US" sz="7200" dirty="0" smtClean="0"/>
+              <a:t>But I am very proud of it.</a:t>
+            </a:r>
+          </a:p>
+          <a:p>
+            <a:pPr marL="0" indent="0" algn="ctr">
+              <a:buNone/>
+            </a:pPr>
+            <a:r>
+              <a:rPr lang="en-US" sz="7200" dirty="0" smtClean="0"/>
+              <a:t>Specially since up to </a:t>
+            </a:r>
+          </a:p>
+          <a:p>
+            <a:pPr marL="0" indent="0" algn="ctr">
+              <a:buNone/>
+            </a:pPr>
+            <a:r>
+              <a:rPr lang="en-US" sz="7200" dirty="0" smtClean="0"/>
+              <a:t>About 3 weeks ago</a:t>
+            </a:r>
+          </a:p>
+          <a:p>
+            <a:pPr marL="0" indent="0" algn="ctr">
+              <a:buNone/>
+            </a:pPr>
+            <a:r>
+              <a:rPr lang="en-US" sz="7200" dirty="0" smtClean="0"/>
+              <a:t>I didn’t know what CSS was</a:t>
+            </a:r>
+            <a:endParaRPr lang="en-US" sz="7200" dirty="0"/>
+          </a:p>
+        </p:txBody>
+      </p:sp>
+    </p:spTree>
+    <p:extLst>
+      <p:ext uri="{BB962C8B-B14F-4D97-AF65-F5344CB8AC3E}">
+        <p14:creationId xmlns:p14="http://schemas.microsoft.com/office/powerpoint/2010/main" val="1704291849"/>
+      </p:ext>
+    </p:extLst>
+  </p:cSld>
+  <p:clrMapOvr>
+    <a:masterClrMapping/>
+  </p:clrMapOvr>
+  <p:timing>
+    <p:tnLst>
+      <p:par>
+        <p:cTn id="1" dur="indefinite" restart="never" nodeType="tmRoot"/>
+      </p:par>
+    </p:tnLst>
+  </p:timing>
+</p:sld>
+</file>
+
+<file path=ppt/slides/slide6.xml><?xml version="1.0" encoding="utf-8"?>
+<p:sld xmlns:a="http://schemas.openxmlformats.org/drawingml/2006/main" xmlns:r="http://schemas.openxmlformats.org/officeDocument/2006/relationships" xmlns:p="http://schemas.openxmlformats.org/presentationml/2006/main">
+  <p:cSld>
+    <p:spTree>
+      <p:nvGrpSpPr>
+        <p:cNvPr id="1" name=""/>
+        <p:cNvGrpSpPr/>
+        <p:nvPr/>
+      </p:nvGrpSpPr>
+      <p:grpSpPr>
+        <a:xfrm>
+          <a:off x="0" y="0"/>
+          <a:ext cx="0" cy="0"/>
+          <a:chOff x="0" y="0"/>
+          <a:chExt cx="0" cy="0"/>
+        </a:xfrm>
+      </p:grpSpPr>
+      <p:sp>
+        <p:nvSpPr>
+          <p:cNvPr id="2" name="Title 1"/>
+          <p:cNvSpPr>
+            <a:spLocks noGrp="1"/>
+          </p:cNvSpPr>
+          <p:nvPr>
+            <p:ph type="title"/>
+          </p:nvPr>
+        </p:nvSpPr>
+        <p:spPr/>
+        <p:txBody>
+          <a:bodyPr>
+            <a:normAutofit/>
+          </a:bodyPr>
+          <a:lstStyle/>
+          <a:p>
+            <a:r>
+              <a:rPr lang="en-US" sz="100" dirty="0" smtClean="0"/>
+              <a:t>.</a:t>
+            </a:r>
+            <a:endParaRPr lang="en-US" sz="100" dirty="0"/>
+          </a:p>
+        </p:txBody>
+      </p:sp>
+      <p:pic>
+        <p:nvPicPr>
+          <p:cNvPr id="4" name="Content Placeholder 3"/>
+          <p:cNvPicPr>
+            <a:picLocks noGrp="1" noChangeAspect="1"/>
+          </p:cNvPicPr>
+          <p:nvPr>
+            <p:ph idx="1"/>
+          </p:nvPr>
+        </p:nvPicPr>
+        <p:blipFill>
+          <a:blip r:embed="rId2">
+            <a:extLst>
+              <a:ext uri="{28A0092B-C50C-407E-A947-70E740481C1C}">
+                <a14:useLocalDpi xmlns:a14="http://schemas.microsoft.com/office/drawing/2010/main" val="0"/>
+              </a:ext>
+            </a:extLst>
+          </a:blip>
+          <a:stretch>
+            <a:fillRect/>
+          </a:stretch>
+        </p:blipFill>
+        <p:spPr>
+          <a:xfrm>
+            <a:off x="724395" y="243771"/>
+            <a:ext cx="10759044" cy="6391652"/>
+          </a:xfrm>
+        </p:spPr>
+      </p:pic>
+    </p:spTree>
+    <p:extLst>
+      <p:ext uri="{BB962C8B-B14F-4D97-AF65-F5344CB8AC3E}">
+        <p14:creationId xmlns:p14="http://schemas.microsoft.com/office/powerpoint/2010/main" val="681139534"/>
+      </p:ext>
+    </p:extLst>
+  </p:cSld>
+  <p:clrMapOvr>
+    <a:masterClrMapping/>
+  </p:clrMapOvr>
+  <p:timing>
+    <p:tnLst>
+      <p:par>
+        <p:cTn id="1" dur="indefinite" restart="never" nodeType="tmRoot"/>
+      </p:par>
+    </p:tnLst>
+  </p:timing>
+</p:sld>
+</file>
+
+<file path=ppt/slides/slide7.xml><?xml version="1.0" encoding="utf-8"?>
+<p:sld xmlns:a="http://schemas.openxmlformats.org/drawingml/2006/main" xmlns:r="http://schemas.openxmlformats.org/officeDocument/2006/relationships" xmlns:p="http://schemas.openxmlformats.org/presentationml/2006/main">
+  <p:cSld>
+    <p:spTree>
+      <p:nvGrpSpPr>
+        <p:cNvPr id="1" name=""/>
+        <p:cNvGrpSpPr/>
+        <p:nvPr/>
+      </p:nvGrpSpPr>
+      <p:grpSpPr>
+        <a:xfrm>
+          <a:off x="0" y="0"/>
+          <a:ext cx="0" cy="0"/>
+          <a:chOff x="0" y="0"/>
+          <a:chExt cx="0" cy="0"/>
+        </a:xfrm>
+      </p:grpSpPr>
+      <p:sp>
+        <p:nvSpPr>
+          <p:cNvPr id="2" name="Title 1"/>
+          <p:cNvSpPr>
+            <a:spLocks noGrp="1"/>
+          </p:cNvSpPr>
+          <p:nvPr>
+            <p:ph type="title"/>
+          </p:nvPr>
+        </p:nvSpPr>
+        <p:spPr/>
+        <p:txBody>
+          <a:bodyPr>
+            <a:normAutofit/>
+          </a:bodyPr>
+          <a:lstStyle/>
+          <a:p>
+            <a:r>
+              <a:rPr lang="en-US" sz="100" dirty="0" smtClean="0"/>
+              <a:t>.</a:t>
+            </a:r>
+            <a:endParaRPr lang="en-US" sz="100" dirty="0"/>
+          </a:p>
+        </p:txBody>
+      </p:sp>
+      <p:sp>
+        <p:nvSpPr>
+          <p:cNvPr id="3" name="Content Placeholder 2"/>
+          <p:cNvSpPr>
+            <a:spLocks noGrp="1"/>
+          </p:cNvSpPr>
+          <p:nvPr>
+            <p:ph idx="1"/>
+          </p:nvPr>
+        </p:nvSpPr>
+        <p:spPr>
+          <a:xfrm>
+            <a:off x="838200" y="593766"/>
+            <a:ext cx="10515600" cy="5583197"/>
+          </a:xfrm>
+        </p:spPr>
+        <p:txBody>
+          <a:bodyPr>
+            <a:normAutofit/>
+          </a:bodyPr>
+          <a:lstStyle/>
+          <a:p>
+            <a:pPr marL="0" indent="0" algn="ctr">
+              <a:buNone/>
+            </a:pPr>
+            <a:endParaRPr lang="en-US" sz="7200" dirty="0" smtClean="0"/>
+          </a:p>
+          <a:p>
+            <a:pPr marL="0" indent="0" algn="ctr">
+              <a:buNone/>
+            </a:pPr>
+            <a:r>
+              <a:rPr lang="en-US" sz="7200" dirty="0" smtClean="0"/>
+              <a:t>I want to tell you</a:t>
+            </a:r>
+          </a:p>
+          <a:p>
+            <a:pPr marL="0" indent="0" algn="ctr">
+              <a:buNone/>
+            </a:pPr>
+            <a:r>
+              <a:rPr lang="en-US" sz="7200" dirty="0" smtClean="0"/>
+              <a:t>A little bit about</a:t>
+            </a:r>
+          </a:p>
+          <a:p>
+            <a:pPr marL="0" indent="0" algn="ctr">
+              <a:buNone/>
+            </a:pPr>
+            <a:r>
+              <a:rPr lang="en-US" sz="7200" dirty="0" smtClean="0"/>
+              <a:t>My background</a:t>
+            </a:r>
+            <a:endParaRPr lang="en-US" sz="7200" dirty="0"/>
+          </a:p>
+        </p:txBody>
+      </p:sp>
+    </p:spTree>
+    <p:extLst>
+      <p:ext uri="{BB962C8B-B14F-4D97-AF65-F5344CB8AC3E}">
+        <p14:creationId xmlns:p14="http://schemas.microsoft.com/office/powerpoint/2010/main" val="1333856572"/>
+      </p:ext>
+    </p:extLst>
+  </p:cSld>
+  <p:clrMapOvr>
+    <a:masterClrMapping/>
+  </p:clrMapOvr>
+  <p:timing>
+    <p:tnLst>
+      <p:par>
+        <p:cTn id="1" dur="indefinite" restart="never" nodeType="tmRoot"/>
+      </p:par>
+    </p:tnLst>
+  </p:timing>
+</p:sld>
+</file>
+
+<file path=ppt/slides/slide8.xml><?xml version="1.0" encoding="utf-8"?>
+<p:sld xmlns:a="http://schemas.openxmlformats.org/drawingml/2006/main" xmlns:r="http://schemas.openxmlformats.org/officeDocument/2006/relationships" xmlns:p="http://schemas.openxmlformats.org/presentationml/2006/main">
+  <p:cSld>
+    <p:spTree>
+      <p:nvGrpSpPr>
+        <p:cNvPr id="1" name=""/>
+        <p:cNvGrpSpPr/>
+        <p:nvPr/>
+      </p:nvGrpSpPr>
+      <p:grpSpPr>
+        <a:xfrm>
+          <a:off x="0" y="0"/>
+          <a:ext cx="0" cy="0"/>
+          <a:chOff x="0" y="0"/>
+          <a:chExt cx="0" cy="0"/>
+        </a:xfrm>
+      </p:grpSpPr>
+      <p:sp>
+        <p:nvSpPr>
+          <p:cNvPr id="2" name="Title 1"/>
+          <p:cNvSpPr>
+            <a:spLocks noGrp="1"/>
+          </p:cNvSpPr>
+          <p:nvPr>
+            <p:ph type="title"/>
+          </p:nvPr>
+        </p:nvSpPr>
+        <p:spPr/>
+        <p:txBody>
+          <a:bodyPr/>
+          <a:lstStyle/>
+          <a:p>
+            <a:endParaRPr lang="en-US" dirty="0"/>
+          </a:p>
+        </p:txBody>
+      </p:sp>
+      <p:sp>
+        <p:nvSpPr>
+          <p:cNvPr id="3" name="Content Placeholder 2"/>
+          <p:cNvSpPr>
+            <a:spLocks noGrp="1"/>
+          </p:cNvSpPr>
+          <p:nvPr>
+            <p:ph idx="1"/>
+          </p:nvPr>
+        </p:nvSpPr>
+        <p:spPr/>
+        <p:txBody>
+          <a:bodyPr>
+            <a:normAutofit/>
+          </a:bodyPr>
+          <a:lstStyle/>
+          <a:p>
+            <a:pPr marL="0" indent="0" algn="ctr">
+              <a:buNone/>
+            </a:pPr>
+            <a:r>
+              <a:rPr lang="en-US" sz="7200" dirty="0" smtClean="0"/>
+              <a:t>Many years ago</a:t>
+            </a:r>
+          </a:p>
+          <a:p>
+            <a:pPr marL="0" indent="0" algn="ctr">
+              <a:buNone/>
+            </a:pPr>
+            <a:r>
+              <a:rPr lang="en-US" sz="7200" dirty="0"/>
+              <a:t>w</a:t>
+            </a:r>
+            <a:r>
+              <a:rPr lang="en-US" sz="7200" dirty="0" smtClean="0"/>
+              <a:t>hen I first went</a:t>
+            </a:r>
+          </a:p>
+          <a:p>
+            <a:pPr marL="0" indent="0" algn="ctr">
+              <a:buNone/>
+            </a:pPr>
+            <a:r>
+              <a:rPr lang="en-US" sz="7200" dirty="0"/>
+              <a:t>t</a:t>
+            </a:r>
+            <a:r>
+              <a:rPr lang="en-US" sz="7200" dirty="0" smtClean="0"/>
+              <a:t>o college</a:t>
+            </a:r>
+            <a:endParaRPr lang="en-US" sz="7200" dirty="0"/>
+          </a:p>
+        </p:txBody>
+      </p:sp>
+    </p:spTree>
+    <p:extLst>
+      <p:ext uri="{BB962C8B-B14F-4D97-AF65-F5344CB8AC3E}">
+        <p14:creationId xmlns:p14="http://schemas.microsoft.com/office/powerpoint/2010/main" val="1014820456"/>
+      </p:ext>
+    </p:extLst>
+  </p:cSld>
+  <p:clrMapOvr>
+    <a:masterClrMapping/>
+  </p:clrMapOvr>
+  <p:timing>
+    <p:tnLst>
+      <p:par>
+        <p:cTn id="1" dur="indefinite" restart="never" nodeType="tmRoot"/>
+      </p:par>
+    </p:tnLst>
+  </p:timing>
+</p:sld>
+</file>
+
+<file path=ppt/slides/slide9.xml><?xml version="1.0" encoding="utf-8"?>
+<p:sld xmlns:a="http://schemas.openxmlformats.org/drawingml/2006/main" xmlns:r="http://schemas.openxmlformats.org/officeDocument/2006/relationships" xmlns:p="http://schemas.openxmlformats.org/presentationml/2006/main">
+  <p:cSld>
+    <p:spTree>
+      <p:nvGrpSpPr>
+        <p:cNvPr id="1" name=""/>
+        <p:cNvGrpSpPr/>
+        <p:nvPr/>
+      </p:nvGrpSpPr>
+      <p:grpSpPr>
+        <a:xfrm>
+          <a:off x="0" y="0"/>
+          <a:ext cx="0" cy="0"/>
+          <a:chOff x="0" y="0"/>
+          <a:chExt cx="0" cy="0"/>
+        </a:xfrm>
+      </p:grpSpPr>
+      <p:sp>
+        <p:nvSpPr>
+          <p:cNvPr id="2" name="Title 1"/>
+          <p:cNvSpPr>
+            <a:spLocks noGrp="1"/>
+          </p:cNvSpPr>
+          <p:nvPr>
+            <p:ph type="title"/>
+          </p:nvPr>
+        </p:nvSpPr>
+        <p:spPr/>
+        <p:txBody>
+          <a:bodyPr/>
+          <a:lstStyle/>
+          <a:p>
+            <a:endParaRPr lang="en-US"/>
+          </a:p>
+        </p:txBody>
+      </p:sp>
+      <p:sp>
+        <p:nvSpPr>
+          <p:cNvPr id="3" name="Content Placeholder 2"/>
+          <p:cNvSpPr>
+            <a:spLocks noGrp="1"/>
+          </p:cNvSpPr>
+          <p:nvPr>
+            <p:ph idx="1"/>
+          </p:nvPr>
+        </p:nvSpPr>
+        <p:spPr/>
+        <p:txBody>
+          <a:bodyPr>
+            <a:normAutofit lnSpcReduction="10000"/>
+          </a:bodyPr>
+          <a:lstStyle/>
+          <a:p>
+            <a:pPr marL="0" indent="0" algn="ctr">
+              <a:buNone/>
+            </a:pPr>
+            <a:r>
+              <a:rPr lang="en-US" sz="7200" dirty="0" smtClean="0"/>
+              <a:t>I learned </a:t>
+            </a:r>
+          </a:p>
+          <a:p>
+            <a:r>
+              <a:rPr lang="en-US" sz="7200" dirty="0" smtClean="0"/>
+              <a:t>Basic</a:t>
+            </a:r>
+          </a:p>
+          <a:p>
+            <a:r>
+              <a:rPr lang="en-US" sz="7200" dirty="0" smtClean="0"/>
+              <a:t>Pascal</a:t>
+            </a:r>
+          </a:p>
+          <a:p>
+            <a:r>
+              <a:rPr lang="en-US" sz="7200" dirty="0"/>
+              <a:t>C</a:t>
+            </a:r>
+            <a:endParaRPr lang="en-US" sz="7200" dirty="0" smtClean="0"/>
+          </a:p>
+        </p:txBody>
+      </p:sp>
+    </p:spTree>
+    <p:extLst>
+      <p:ext uri="{BB962C8B-B14F-4D97-AF65-F5344CB8AC3E}">
+        <p14:creationId xmlns:p14="http://schemas.microsoft.com/office/powerpoint/2010/main" val="1028044731"/>
+      </p:ext>
+    </p:extLst>
+  </p:cSld>
+  <p:clrMapOvr>
+    <a:masterClrMapping/>
+  </p:clrMapOvr>
+  <p:timing>
+    <p:tnLst>
+      <p:par>
+        <p:cTn id="1" dur="indefinite" restart="never" nodeType="tmRoot"/>
+      </p:par>
+    </p:tnLst>
+  </p:timing>
 </p:sld>
 </file>
 

--- a/Week-1-Presentation.pptx
+++ b/Week-1-Presentation.pptx
@@ -16,6 +16,7 @@
     <p:sldId id="264" r:id="rId10"/>
     <p:sldId id="265" r:id="rId11"/>
     <p:sldId id="266" r:id="rId12"/>
+    <p:sldId id="267" r:id="rId13"/>
   </p:sldIdLst>
   <p:sldSz cx="12192000" cy="6858000"/>
   <p:notesSz cx="6858000" cy="9144000"/>
@@ -3120,21 +3121,21 @@
           </a:p>
           <a:p>
             <a:r>
-              <a:rPr lang="en-US" sz="7200"/>
+              <a:rPr lang="en-US" sz="7200" dirty="0"/>
               <a:t> </a:t>
             </a:r>
             <a:r>
-              <a:rPr lang="en-US" sz="7200" smtClean="0"/>
+              <a:rPr lang="en-US" sz="7200" dirty="0" smtClean="0"/>
               <a:t>Java </a:t>
             </a:r>
           </a:p>
           <a:p>
             <a:r>
-              <a:rPr lang="en-US" sz="7200"/>
+              <a:rPr lang="en-US" sz="7200" dirty="0"/>
               <a:t> </a:t>
             </a:r>
             <a:r>
-              <a:rPr lang="en-US" sz="7200" smtClean="0"/>
+              <a:rPr lang="en-US" sz="7200" dirty="0" smtClean="0"/>
               <a:t>GUI</a:t>
             </a:r>
           </a:p>
@@ -3206,38 +3207,52 @@
             <p:ph idx="1"/>
           </p:nvPr>
         </p:nvSpPr>
-        <p:spPr/>
+        <p:spPr>
+          <a:xfrm>
+            <a:off x="850075" y="1825625"/>
+            <a:ext cx="10515600" cy="4351338"/>
+          </a:xfrm>
+        </p:spPr>
         <p:txBody>
           <a:bodyPr>
-            <a:normAutofit/>
+            <a:normAutofit lnSpcReduction="10000"/>
           </a:bodyPr>
           <a:lstStyle/>
           <a:p>
-            <a:r>
-              <a:rPr lang="en-US" sz="7200" smtClean="0"/>
+            <a:pPr marL="0" indent="0" algn="ctr">
+              <a:buNone/>
+            </a:pPr>
+            <a:r>
+              <a:rPr lang="en-US" sz="7200" dirty="0" smtClean="0"/>
+              <a:t>More recently</a:t>
+            </a:r>
+          </a:p>
+          <a:p>
+            <a:r>
+              <a:rPr lang="en-US" sz="7200" dirty="0" smtClean="0"/>
               <a:t> JavaScript</a:t>
             </a:r>
           </a:p>
           <a:p>
             <a:r>
-              <a:rPr lang="en-US" sz="7200"/>
+              <a:rPr lang="en-US" sz="7200" dirty="0"/>
               <a:t> </a:t>
             </a:r>
             <a:r>
-              <a:rPr lang="en-US" sz="7200" smtClean="0"/>
+              <a:rPr lang="en-US" sz="7200" dirty="0" smtClean="0"/>
               <a:t>HTML</a:t>
             </a:r>
           </a:p>
           <a:p>
             <a:r>
-              <a:rPr lang="en-US" sz="7200"/>
+              <a:rPr lang="en-US" sz="7200" dirty="0"/>
               <a:t> </a:t>
             </a:r>
             <a:r>
-              <a:rPr lang="en-US" sz="7200" smtClean="0"/>
+              <a:rPr lang="en-US" sz="7200" dirty="0" smtClean="0"/>
               <a:t>CSS</a:t>
             </a:r>
-            <a:endParaRPr lang="en-US" sz="7200"/>
+            <a:endParaRPr lang="en-US" sz="7200" dirty="0"/>
           </a:p>
         </p:txBody>
       </p:sp>
@@ -3245,6 +3260,98 @@
     <p:extLst>
       <p:ext uri="{BB962C8B-B14F-4D97-AF65-F5344CB8AC3E}">
         <p14:creationId xmlns:p14="http://schemas.microsoft.com/office/powerpoint/2010/main" val="505186885"/>
+      </p:ext>
+    </p:extLst>
+  </p:cSld>
+  <p:clrMapOvr>
+    <a:masterClrMapping/>
+  </p:clrMapOvr>
+  <p:timing>
+    <p:tnLst>
+      <p:par>
+        <p:cTn id="1" dur="indefinite" restart="never" nodeType="tmRoot"/>
+      </p:par>
+    </p:tnLst>
+  </p:timing>
+</p:sld>
+</file>
+
+<file path=ppt/slides/slide12.xml><?xml version="1.0" encoding="utf-8"?>
+<p:sld xmlns:a="http://schemas.openxmlformats.org/drawingml/2006/main" xmlns:r="http://schemas.openxmlformats.org/officeDocument/2006/relationships" xmlns:p="http://schemas.openxmlformats.org/presentationml/2006/main">
+  <p:cSld>
+    <p:spTree>
+      <p:nvGrpSpPr>
+        <p:cNvPr id="1" name=""/>
+        <p:cNvGrpSpPr/>
+        <p:nvPr/>
+      </p:nvGrpSpPr>
+      <p:grpSpPr>
+        <a:xfrm>
+          <a:off x="0" y="0"/>
+          <a:ext cx="0" cy="0"/>
+          <a:chOff x="0" y="0"/>
+          <a:chExt cx="0" cy="0"/>
+        </a:xfrm>
+      </p:grpSpPr>
+      <p:sp>
+        <p:nvSpPr>
+          <p:cNvPr id="2" name="Title 1"/>
+          <p:cNvSpPr>
+            <a:spLocks noGrp="1"/>
+          </p:cNvSpPr>
+          <p:nvPr>
+            <p:ph type="title"/>
+          </p:nvPr>
+        </p:nvSpPr>
+        <p:spPr/>
+        <p:txBody>
+          <a:bodyPr/>
+          <a:lstStyle/>
+          <a:p>
+            <a:endParaRPr lang="en-US"/>
+          </a:p>
+        </p:txBody>
+      </p:sp>
+      <p:sp>
+        <p:nvSpPr>
+          <p:cNvPr id="3" name="Content Placeholder 2"/>
+          <p:cNvSpPr>
+            <a:spLocks noGrp="1"/>
+          </p:cNvSpPr>
+          <p:nvPr>
+            <p:ph idx="1"/>
+          </p:nvPr>
+        </p:nvSpPr>
+        <p:spPr/>
+        <p:txBody>
+          <a:bodyPr/>
+          <a:lstStyle/>
+          <a:p>
+            <a:pPr marL="0" marR="0" lvl="0" indent="0" defTabSz="914400" eaLnBrk="1" fontAlgn="auto" latinLnBrk="0" hangingPunct="1">
+              <a:lnSpc>
+                <a:spcPct val="100000"/>
+              </a:lnSpc>
+              <a:spcBef>
+                <a:spcPts val="0"/>
+              </a:spcBef>
+              <a:spcAft>
+                <a:spcPts val="0"/>
+              </a:spcAft>
+              <a:buClrTx/>
+              <a:buSzTx/>
+              <a:buFontTx/>
+              <a:buNone/>
+              <a:tabLst/>
+              <a:defRPr/>
+            </a:pPr>
+            <a:endParaRPr lang="en-US" dirty="0"/>
+          </a:p>
+        </p:txBody>
+      </p:sp>
+    </p:spTree>
+    <p:extLst>
+      <p:ext uri="{BB962C8B-B14F-4D97-AF65-F5344CB8AC3E}">
+        <p14:creationId xmlns:p14="http://schemas.microsoft.com/office/powerpoint/2010/main" val="1796308871"/>
       </p:ext>
     </p:extLst>
   </p:cSld>
@@ -3350,8 +3457,12 @@
               <a:buNone/>
             </a:pPr>
             <a:r>
+              <a:rPr lang="en-US" sz="7200" dirty="0"/>
+              <a:t>t</a:t>
+            </a:r>
+            <a:r>
               <a:rPr lang="en-US" sz="7200" dirty="0" smtClean="0"/>
-              <a:t>This is the first web page</a:t>
+              <a:t>his is the first web page</a:t>
             </a:r>
           </a:p>
           <a:p>
@@ -3653,7 +3764,7 @@
             </a:pPr>
             <a:r>
               <a:rPr lang="en-US" sz="7200" dirty="0" smtClean="0"/>
-              <a:t>Specially since up to </a:t>
+              <a:t>especially since up to </a:t>
             </a:r>
           </a:p>
           <a:p>
@@ -3661,8 +3772,12 @@
               <a:buNone/>
             </a:pPr>
             <a:r>
+              <a:rPr lang="en-US" sz="7200" dirty="0"/>
+              <a:t>a</a:t>
+            </a:r>
+            <a:r>
               <a:rPr lang="en-US" sz="7200" dirty="0" smtClean="0"/>
-              <a:t>About 3 weeks ago</a:t>
+              <a:t>bout 3 weeks ago</a:t>
             </a:r>
           </a:p>
           <a:p>
@@ -3871,8 +3986,12 @@
               <a:buNone/>
             </a:pPr>
             <a:r>
+              <a:rPr lang="en-US" sz="7200" dirty="0"/>
+              <a:t>a</a:t>
+            </a:r>
+            <a:r>
               <a:rPr lang="en-US" sz="7200" dirty="0" smtClean="0"/>
-              <a:t>A little bit about</a:t>
+              <a:t> little bit about</a:t>
             </a:r>
           </a:p>
           <a:p>
@@ -3880,8 +3999,12 @@
               <a:buNone/>
             </a:pPr>
             <a:r>
+              <a:rPr lang="en-US" sz="7200" dirty="0"/>
+              <a:t>m</a:t>
+            </a:r>
+            <a:r>
               <a:rPr lang="en-US" sz="7200" dirty="0" smtClean="0"/>
-              <a:t>My background</a:t>
+              <a:t>y background</a:t>
             </a:r>
             <a:endParaRPr lang="en-US" sz="7200" dirty="0"/>
           </a:p>
@@ -4081,21 +4204,20 @@
           <a:p>
             <a:r>
               <a:rPr lang="en-US" sz="7200" dirty="0" smtClean="0"/>
-              <a:t>Basic</a:t>
+              <a:t> Basic</a:t>
             </a:r>
           </a:p>
           <a:p>
             <a:r>
               <a:rPr lang="en-US" sz="7200" dirty="0" smtClean="0"/>
-              <a:t>Pascal</a:t>
-            </a:r>
-          </a:p>
-          <a:p>
-            <a:r>
-              <a:rPr lang="en-US" sz="7200" dirty="0"/>
-              <a:t>C</a:t>
-            </a:r>
-            <a:endParaRPr lang="en-US" sz="7200" dirty="0" smtClean="0"/>
+              <a:t> Pascal</a:t>
+            </a:r>
+          </a:p>
+          <a:p>
+            <a:r>
+              <a:rPr lang="en-US" sz="7200" dirty="0" smtClean="0"/>
+              <a:t> C</a:t>
+            </a:r>
           </a:p>
         </p:txBody>
       </p:sp>
